--- a/1_Protocol/1_2_Paper/Mod.pptx
+++ b/1_Protocol/1_2_Paper/Mod.pptx
@@ -6,9 +6,11 @@
   </p:sldMasterIdLst>
   <p:sldIdLst>
     <p:sldId id="256" r:id="rId2"/>
-    <p:sldId id="257" r:id="rId3"/>
-    <p:sldId id="258" r:id="rId4"/>
-    <p:sldId id="259" r:id="rId5"/>
+    <p:sldId id="261" r:id="rId3"/>
+    <p:sldId id="257" r:id="rId4"/>
+    <p:sldId id="258" r:id="rId5"/>
+    <p:sldId id="260" r:id="rId6"/>
+    <p:sldId id="259" r:id="rId7"/>
   </p:sldIdLst>
   <p:sldSz cx="12192000" cy="6858000"/>
   <p:notesSz cx="6858000" cy="9144000"/>
@@ -165,7 +167,7 @@
               <c:strCache>
                 <c:ptCount val="1"/>
                 <c:pt idx="0">
-                  <c:v>Low SCO</c:v>
+                  <c:v>低 社会比较倾向</c:v>
                 </c:pt>
               </c:strCache>
             </c:strRef>
@@ -199,10 +201,10 @@
               <c:strCache>
                 <c:ptCount val="2"/>
                 <c:pt idx="0">
-                  <c:v>Low DSC</c:v>
+                  <c:v>低 向下比较频率</c:v>
                 </c:pt>
                 <c:pt idx="1">
-                  <c:v>High DSC</c:v>
+                  <c:v>高 向下比较频率</c:v>
                 </c:pt>
               </c:strCache>
             </c:strRef>
@@ -225,7 +227,7 @@
           <c:smooth val="0"/>
           <c:extLst>
             <c:ext xmlns:c16="http://schemas.microsoft.com/office/drawing/2014/chart" uri="{C3380CC4-5D6E-409C-BE32-E72D297353CC}">
-              <c16:uniqueId val="{00000000-D1DA-4D64-BF8A-D15D614832F9}"/>
+              <c16:uniqueId val="{00000000-BADB-4BB8-BBBB-B1C6E5FBE468}"/>
             </c:ext>
           </c:extLst>
         </c:ser>
@@ -238,7 +240,7 @@
               <c:strCache>
                 <c:ptCount val="1"/>
                 <c:pt idx="0">
-                  <c:v>High SCO</c:v>
+                  <c:v>高 社会比较倾向</c:v>
                 </c:pt>
               </c:strCache>
             </c:strRef>
@@ -272,10 +274,10 @@
               <c:strCache>
                 <c:ptCount val="2"/>
                 <c:pt idx="0">
-                  <c:v>Low DSC</c:v>
+                  <c:v>低 向下比较频率</c:v>
                 </c:pt>
                 <c:pt idx="1">
-                  <c:v>High DSC</c:v>
+                  <c:v>高 向下比较频率</c:v>
                 </c:pt>
               </c:strCache>
             </c:strRef>
@@ -298,7 +300,7 @@
           <c:smooth val="0"/>
           <c:extLst>
             <c:ext xmlns:c16="http://schemas.microsoft.com/office/drawing/2014/chart" uri="{C3380CC4-5D6E-409C-BE32-E72D297353CC}">
-              <c16:uniqueId val="{00000001-D1DA-4D64-BF8A-D15D614832F9}"/>
+              <c16:uniqueId val="{00000001-BADB-4BB8-BBBB-B1C6E5FBE468}"/>
             </c:ext>
           </c:extLst>
         </c:ser>
@@ -312,11 +314,11 @@
         </c:dLbls>
         <c:marker val="1"/>
         <c:smooth val="0"/>
-        <c:axId val="1831785759"/>
+        <c:axId val="1015389983"/>
         <c:axId val="1"/>
       </c:lineChart>
       <c:catAx>
-        <c:axId val="1831785759"/>
+        <c:axId val="1015389983"/>
         <c:scaling>
           <c:orientation val="minMax"/>
         </c:scaling>
@@ -343,12 +345,12 @@
                 <a:solidFill>
                   <a:srgbClr val="000000"/>
                 </a:solidFill>
-                <a:latin typeface="Times New Roman"/>
-                <a:ea typeface="Times New Roman"/>
+                <a:latin typeface="+mj-ea"/>
+                <a:ea typeface="+mj-ea"/>
                 <a:cs typeface="Times New Roman"/>
               </a:defRPr>
             </a:pPr>
-            <a:endParaRPr lang="en-US"/>
+            <a:endParaRPr lang="zh-CN"/>
           </a:p>
         </c:txPr>
         <c:crossAx val="1"/>
@@ -380,20 +382,22 @@
                     <a:solidFill>
                       <a:srgbClr val="000000"/>
                     </a:solidFill>
-                    <a:latin typeface="Times New Roman"/>
-                    <a:ea typeface="Times New Roman"/>
+                    <a:latin typeface="+mj-ea"/>
+                    <a:ea typeface="+mj-ea"/>
                     <a:cs typeface="Times New Roman"/>
                   </a:defRPr>
                 </a:pPr>
                 <a:r>
-                  <a:rPr lang="en-US" altLang="zh-CN"/>
-                  <a:t>Perceptions</a:t>
+                  <a:rPr lang="zh-CN" altLang="en-US">
+                    <a:latin typeface="+mj-ea"/>
+                    <a:ea typeface="+mj-ea"/>
+                  </a:rPr>
+                  <a:t>相对剥夺感</a:t>
                 </a:r>
-                <a:r>
-                  <a:rPr lang="en-US" altLang="zh-CN" baseline="0"/>
-                  <a:t> of Superiority</a:t>
-                </a:r>
-                <a:endParaRPr lang="en-US" altLang="zh-CN"/>
+                <a:endParaRPr lang="en-US" altLang="zh-CN">
+                  <a:latin typeface="+mj-ea"/>
+                  <a:ea typeface="+mj-ea"/>
+                </a:endParaRPr>
               </a:p>
             </c:rich>
           </c:tx>
@@ -401,8 +405,8 @@
             <c:manualLayout>
               <c:xMode val="edge"/>
               <c:yMode val="edge"/>
-              <c:x val="4.9930595053169255E-2"/>
-              <c:y val="0.2230372912787611"/>
+              <c:x val="7.0743783654251491E-2"/>
+              <c:y val="0.37522934943305786"/>
             </c:manualLayout>
           </c:layout>
           <c:overlay val="0"/>
@@ -439,10 +443,10 @@
                 <a:cs typeface="Times New Roman"/>
               </a:defRPr>
             </a:pPr>
-            <a:endParaRPr lang="en-US"/>
+            <a:endParaRPr lang="zh-CN"/>
           </a:p>
         </c:txPr>
-        <c:crossAx val="1831785759"/>
+        <c:crossAx val="1015389983"/>
         <c:crosses val="autoZero"/>
         <c:crossBetween val="between"/>
         <c:majorUnit val="1"/>
@@ -465,10 +469,10 @@
         <c:manualLayout>
           <c:xMode val="edge"/>
           <c:yMode val="edge"/>
-          <c:x val="0.55900374015056309"/>
-          <c:y val="0.14874217645871191"/>
-          <c:w val="0.21004721584717739"/>
-          <c:h val="0.13687603554341329"/>
+          <c:x val="0.50812691391412956"/>
+          <c:y val="0.13881661814605681"/>
+          <c:w val="0.26554917237696002"/>
+          <c:h val="0.13687612068293445"/>
         </c:manualLayout>
       </c:layout>
       <c:overlay val="0"/>
@@ -476,9 +480,8 @@
         <a:solidFill>
           <a:srgbClr val="FFFFFF"/>
         </a:solidFill>
-        <a:ln w="3175">
+        <a:ln w="25400">
           <a:noFill/>
-          <a:prstDash val="solid"/>
         </a:ln>
       </c:spPr>
       <c:txPr>
@@ -486,16 +489,16 @@
         <a:lstStyle/>
         <a:p>
           <a:pPr>
-            <a:defRPr sz="1080" b="0" i="0" u="none" strike="noStrike" baseline="0">
+            <a:defRPr sz="990" b="0" i="0" u="none" strike="noStrike" baseline="0">
               <a:solidFill>
                 <a:srgbClr val="000000"/>
               </a:solidFill>
-              <a:latin typeface="Times New Roman"/>
-              <a:ea typeface="Times New Roman"/>
+              <a:latin typeface="+mj-ea"/>
+              <a:ea typeface="+mj-ea"/>
               <a:cs typeface="Times New Roman"/>
             </a:defRPr>
           </a:pPr>
-          <a:endParaRPr lang="en-US"/>
+          <a:endParaRPr lang="zh-CN"/>
         </a:p>
       </c:txPr>
     </c:legend>
@@ -507,9 +510,8 @@
     <a:solidFill>
       <a:srgbClr val="FFFFFF"/>
     </a:solidFill>
-    <a:ln w="3175">
+    <a:ln w="9525">
       <a:noFill/>
-      <a:prstDash val="solid"/>
     </a:ln>
   </c:spPr>
   <c:txPr>
@@ -526,7 +528,7 @@
           <a:cs typeface="Arial"/>
         </a:defRPr>
       </a:pPr>
-      <a:endParaRPr lang="en-US"/>
+      <a:endParaRPr lang="zh-CN"/>
     </a:p>
   </c:txPr>
   <c:externalData r:id="rId1">
@@ -757,7 +759,7 @@
                 <a:cs typeface="Times New Roman"/>
               </a:defRPr>
             </a:pPr>
-            <a:endParaRPr lang="en-US"/>
+            <a:endParaRPr lang="zh-CN"/>
           </a:p>
         </c:txPr>
         <c:crossAx val="1"/>
@@ -848,7 +850,7 @@
                 <a:cs typeface="Times New Roman"/>
               </a:defRPr>
             </a:pPr>
-            <a:endParaRPr lang="en-US"/>
+            <a:endParaRPr lang="zh-CN"/>
           </a:p>
         </c:txPr>
         <c:crossAx val="1831785759"/>
@@ -904,7 +906,7 @@
               <a:cs typeface="Times New Roman"/>
             </a:defRPr>
           </a:pPr>
-          <a:endParaRPr lang="en-US"/>
+          <a:endParaRPr lang="zh-CN"/>
         </a:p>
       </c:txPr>
     </c:legend>
@@ -935,7 +937,7 @@
           <a:cs typeface="Arial"/>
         </a:defRPr>
       </a:pPr>
-      <a:endParaRPr lang="en-US"/>
+      <a:endParaRPr lang="zh-CN"/>
     </a:p>
   </c:txPr>
   <c:externalData r:id="rId1">
@@ -1166,7 +1168,7 @@
                 <a:cs typeface="Times New Roman"/>
               </a:defRPr>
             </a:pPr>
-            <a:endParaRPr lang="en-US"/>
+            <a:endParaRPr lang="zh-CN"/>
           </a:p>
         </c:txPr>
         <c:crossAx val="1"/>
@@ -1257,7 +1259,7 @@
                 <a:cs typeface="Times New Roman"/>
               </a:defRPr>
             </a:pPr>
-            <a:endParaRPr lang="en-US"/>
+            <a:endParaRPr lang="zh-CN"/>
           </a:p>
         </c:txPr>
         <c:crossAx val="1831785759"/>
@@ -1313,7 +1315,7 @@
               <a:cs typeface="Times New Roman"/>
             </a:defRPr>
           </a:pPr>
-          <a:endParaRPr lang="en-US"/>
+          <a:endParaRPr lang="zh-CN"/>
         </a:p>
       </c:txPr>
     </c:legend>
@@ -1344,7 +1346,7 @@
           <a:cs typeface="Arial"/>
         </a:defRPr>
       </a:pPr>
-      <a:endParaRPr lang="en-US"/>
+      <a:endParaRPr lang="zh-CN"/>
     </a:p>
   </c:txPr>
   <c:externalData r:id="rId1">
@@ -1392,7 +1394,7 @@
               <c:strCache>
                 <c:ptCount val="1"/>
                 <c:pt idx="0">
-                  <c:v>Low SCO</c:v>
+                  <c:v>低 社会比较倾向</c:v>
                 </c:pt>
               </c:strCache>
             </c:strRef>
@@ -1426,10 +1428,10 @@
               <c:strCache>
                 <c:ptCount val="2"/>
                 <c:pt idx="0">
-                  <c:v>Low DSC</c:v>
+                  <c:v>低 向下比较频率</c:v>
                 </c:pt>
                 <c:pt idx="1">
-                  <c:v>High DSC</c:v>
+                  <c:v>高 向下比较频率</c:v>
                 </c:pt>
               </c:strCache>
             </c:strRef>
@@ -1452,7 +1454,7 @@
           <c:smooth val="0"/>
           <c:extLst>
             <c:ext xmlns:c16="http://schemas.microsoft.com/office/drawing/2014/chart" uri="{C3380CC4-5D6E-409C-BE32-E72D297353CC}">
-              <c16:uniqueId val="{00000000-0ABD-41F9-994E-2A51092EF6C1}"/>
+              <c16:uniqueId val="{00000000-474F-4B2B-AA2E-131A18EE7DBC}"/>
             </c:ext>
           </c:extLst>
         </c:ser>
@@ -1465,7 +1467,7 @@
               <c:strCache>
                 <c:ptCount val="1"/>
                 <c:pt idx="0">
-                  <c:v>High SCO</c:v>
+                  <c:v>高 社会比较倾向</c:v>
                 </c:pt>
               </c:strCache>
             </c:strRef>
@@ -1499,10 +1501,10 @@
               <c:strCache>
                 <c:ptCount val="2"/>
                 <c:pt idx="0">
-                  <c:v>Low DSC</c:v>
+                  <c:v>低 向下比较频率</c:v>
                 </c:pt>
                 <c:pt idx="1">
-                  <c:v>High DSC</c:v>
+                  <c:v>高 向下比较频率</c:v>
                 </c:pt>
               </c:strCache>
             </c:strRef>
@@ -1525,7 +1527,7 @@
           <c:smooth val="0"/>
           <c:extLst>
             <c:ext xmlns:c16="http://schemas.microsoft.com/office/drawing/2014/chart" uri="{C3380CC4-5D6E-409C-BE32-E72D297353CC}">
-              <c16:uniqueId val="{00000001-0ABD-41F9-994E-2A51092EF6C1}"/>
+              <c16:uniqueId val="{00000001-474F-4B2B-AA2E-131A18EE7DBC}"/>
             </c:ext>
           </c:extLst>
         </c:ser>
@@ -1539,11 +1541,11 @@
         </c:dLbls>
         <c:marker val="1"/>
         <c:smooth val="0"/>
-        <c:axId val="1831785759"/>
+        <c:axId val="1015389983"/>
         <c:axId val="1"/>
       </c:lineChart>
       <c:catAx>
-        <c:axId val="1831785759"/>
+        <c:axId val="1015389983"/>
         <c:scaling>
           <c:orientation val="minMax"/>
         </c:scaling>
@@ -1570,12 +1572,12 @@
                 <a:solidFill>
                   <a:srgbClr val="000000"/>
                 </a:solidFill>
-                <a:latin typeface="Times New Roman"/>
-                <a:ea typeface="Times New Roman"/>
+                <a:latin typeface="+mj-ea"/>
+                <a:ea typeface="+mj-ea"/>
                 <a:cs typeface="Times New Roman"/>
               </a:defRPr>
             </a:pPr>
-            <a:endParaRPr lang="en-US"/>
+            <a:endParaRPr lang="zh-CN"/>
           </a:p>
         </c:txPr>
         <c:crossAx val="1"/>
@@ -1607,20 +1609,22 @@
                     <a:solidFill>
                       <a:srgbClr val="000000"/>
                     </a:solidFill>
-                    <a:latin typeface="Times New Roman"/>
-                    <a:ea typeface="Times New Roman"/>
+                    <a:latin typeface="+mj-ea"/>
+                    <a:ea typeface="+mj-ea"/>
                     <a:cs typeface="Times New Roman"/>
                   </a:defRPr>
                 </a:pPr>
                 <a:r>
-                  <a:rPr lang="en-US" altLang="zh-CN"/>
-                  <a:t>Perceptions</a:t>
+                  <a:rPr lang="zh-CN" altLang="en-US">
+                    <a:latin typeface="+mj-ea"/>
+                    <a:ea typeface="+mj-ea"/>
+                  </a:rPr>
+                  <a:t>相对剥夺感</a:t>
                 </a:r>
-                <a:r>
-                  <a:rPr lang="en-US" altLang="zh-CN" baseline="0"/>
-                  <a:t> of Superiority</a:t>
-                </a:r>
-                <a:endParaRPr lang="en-US" altLang="zh-CN"/>
+                <a:endParaRPr lang="en-US" altLang="zh-CN">
+                  <a:latin typeface="+mj-ea"/>
+                  <a:ea typeface="+mj-ea"/>
+                </a:endParaRPr>
               </a:p>
             </c:rich>
           </c:tx>
@@ -1628,8 +1632,8 @@
             <c:manualLayout>
               <c:xMode val="edge"/>
               <c:yMode val="edge"/>
-              <c:x val="4.9930595053169255E-2"/>
-              <c:y val="0.2230372912787611"/>
+              <c:x val="7.0743783654251491E-2"/>
+              <c:y val="0.37522934943305786"/>
             </c:manualLayout>
           </c:layout>
           <c:overlay val="0"/>
@@ -1666,10 +1670,10 @@
                 <a:cs typeface="Times New Roman"/>
               </a:defRPr>
             </a:pPr>
-            <a:endParaRPr lang="en-US"/>
+            <a:endParaRPr lang="zh-CN"/>
           </a:p>
         </c:txPr>
-        <c:crossAx val="1831785759"/>
+        <c:crossAx val="1015389983"/>
         <c:crosses val="autoZero"/>
         <c:crossBetween val="between"/>
         <c:majorUnit val="1"/>
@@ -1692,10 +1696,10 @@
         <c:manualLayout>
           <c:xMode val="edge"/>
           <c:yMode val="edge"/>
-          <c:x val="0.55900374015056309"/>
-          <c:y val="0.14874217645871191"/>
-          <c:w val="0.21004721584717739"/>
-          <c:h val="0.13687603554341329"/>
+          <c:x val="0.50812691391412956"/>
+          <c:y val="0.13881661814605681"/>
+          <c:w val="0.26554917237696002"/>
+          <c:h val="0.13687612068293445"/>
         </c:manualLayout>
       </c:layout>
       <c:overlay val="0"/>
@@ -1703,9 +1707,8 @@
         <a:solidFill>
           <a:srgbClr val="FFFFFF"/>
         </a:solidFill>
-        <a:ln w="3175">
+        <a:ln w="25400">
           <a:noFill/>
-          <a:prstDash val="solid"/>
         </a:ln>
       </c:spPr>
       <c:txPr>
@@ -1713,16 +1716,16 @@
         <a:lstStyle/>
         <a:p>
           <a:pPr>
-            <a:defRPr sz="1080" b="0" i="0" u="none" strike="noStrike" baseline="0">
+            <a:defRPr sz="990" b="0" i="0" u="none" strike="noStrike" baseline="0">
               <a:solidFill>
                 <a:srgbClr val="000000"/>
               </a:solidFill>
-              <a:latin typeface="Times New Roman"/>
-              <a:ea typeface="Times New Roman"/>
+              <a:latin typeface="+mj-ea"/>
+              <a:ea typeface="+mj-ea"/>
               <a:cs typeface="Times New Roman"/>
             </a:defRPr>
           </a:pPr>
-          <a:endParaRPr lang="en-US"/>
+          <a:endParaRPr lang="zh-CN"/>
         </a:p>
       </c:txPr>
     </c:legend>
@@ -1734,9 +1737,8 @@
     <a:solidFill>
       <a:srgbClr val="FFFFFF"/>
     </a:solidFill>
-    <a:ln w="3175">
+    <a:ln w="9525">
       <a:noFill/>
-      <a:prstDash val="solid"/>
     </a:ln>
   </c:spPr>
   <c:txPr>
@@ -1753,7 +1755,7 @@
           <a:cs typeface="Arial"/>
         </a:defRPr>
       </a:pPr>
-      <a:endParaRPr lang="en-US"/>
+      <a:endParaRPr lang="zh-CN"/>
     </a:p>
   </c:txPr>
   <c:externalData r:id="rId1">
@@ -1911,7 +1913,7 @@
           <a:p>
             <a:fld id="{6CFD73BB-EE45-470A-B164-7279AC0F0AEB}" type="datetimeFigureOut">
               <a:rPr lang="en-US" smtClean="0"/>
-              <a:t>3/5/2024</a:t>
+              <a:t>3/8/2024</a:t>
             </a:fld>
             <a:endParaRPr lang="en-US"/>
           </a:p>
@@ -2111,7 +2113,7 @@
           <a:p>
             <a:fld id="{6CFD73BB-EE45-470A-B164-7279AC0F0AEB}" type="datetimeFigureOut">
               <a:rPr lang="en-US" smtClean="0"/>
-              <a:t>3/5/2024</a:t>
+              <a:t>3/8/2024</a:t>
             </a:fld>
             <a:endParaRPr lang="en-US"/>
           </a:p>
@@ -2321,7 +2323,7 @@
           <a:p>
             <a:fld id="{6CFD73BB-EE45-470A-B164-7279AC0F0AEB}" type="datetimeFigureOut">
               <a:rPr lang="en-US" smtClean="0"/>
-              <a:t>3/5/2024</a:t>
+              <a:t>3/8/2024</a:t>
             </a:fld>
             <a:endParaRPr lang="en-US"/>
           </a:p>
@@ -2521,7 +2523,7 @@
           <a:p>
             <a:fld id="{6CFD73BB-EE45-470A-B164-7279AC0F0AEB}" type="datetimeFigureOut">
               <a:rPr lang="en-US" smtClean="0"/>
-              <a:t>3/5/2024</a:t>
+              <a:t>3/8/2024</a:t>
             </a:fld>
             <a:endParaRPr lang="en-US"/>
           </a:p>
@@ -2797,7 +2799,7 @@
           <a:p>
             <a:fld id="{6CFD73BB-EE45-470A-B164-7279AC0F0AEB}" type="datetimeFigureOut">
               <a:rPr lang="en-US" smtClean="0"/>
-              <a:t>3/5/2024</a:t>
+              <a:t>3/8/2024</a:t>
             </a:fld>
             <a:endParaRPr lang="en-US"/>
           </a:p>
@@ -3065,7 +3067,7 @@
           <a:p>
             <a:fld id="{6CFD73BB-EE45-470A-B164-7279AC0F0AEB}" type="datetimeFigureOut">
               <a:rPr lang="en-US" smtClean="0"/>
-              <a:t>3/5/2024</a:t>
+              <a:t>3/8/2024</a:t>
             </a:fld>
             <a:endParaRPr lang="en-US"/>
           </a:p>
@@ -3480,7 +3482,7 @@
           <a:p>
             <a:fld id="{6CFD73BB-EE45-470A-B164-7279AC0F0AEB}" type="datetimeFigureOut">
               <a:rPr lang="en-US" smtClean="0"/>
-              <a:t>3/5/2024</a:t>
+              <a:t>3/8/2024</a:t>
             </a:fld>
             <a:endParaRPr lang="en-US"/>
           </a:p>
@@ -3622,7 +3624,7 @@
           <a:p>
             <a:fld id="{6CFD73BB-EE45-470A-B164-7279AC0F0AEB}" type="datetimeFigureOut">
               <a:rPr lang="en-US" smtClean="0"/>
-              <a:t>3/5/2024</a:t>
+              <a:t>3/8/2024</a:t>
             </a:fld>
             <a:endParaRPr lang="en-US"/>
           </a:p>
@@ -3735,7 +3737,7 @@
           <a:p>
             <a:fld id="{6CFD73BB-EE45-470A-B164-7279AC0F0AEB}" type="datetimeFigureOut">
               <a:rPr lang="en-US" smtClean="0"/>
-              <a:t>3/5/2024</a:t>
+              <a:t>3/8/2024</a:t>
             </a:fld>
             <a:endParaRPr lang="en-US"/>
           </a:p>
@@ -4048,7 +4050,7 @@
           <a:p>
             <a:fld id="{6CFD73BB-EE45-470A-B164-7279AC0F0AEB}" type="datetimeFigureOut">
               <a:rPr lang="en-US" smtClean="0"/>
-              <a:t>3/5/2024</a:t>
+              <a:t>3/8/2024</a:t>
             </a:fld>
             <a:endParaRPr lang="en-US"/>
           </a:p>
@@ -4337,7 +4339,7 @@
           <a:p>
             <a:fld id="{6CFD73BB-EE45-470A-B164-7279AC0F0AEB}" type="datetimeFigureOut">
               <a:rPr lang="en-US" smtClean="0"/>
-              <a:t>3/5/2024</a:t>
+              <a:t>3/8/2024</a:t>
             </a:fld>
             <a:endParaRPr lang="en-US"/>
           </a:p>
@@ -4580,7 +4582,7 @@
           <a:p>
             <a:fld id="{6CFD73BB-EE45-470A-B164-7279AC0F0AEB}" type="datetimeFigureOut">
               <a:rPr lang="en-US" smtClean="0"/>
-              <a:t>3/5/2024</a:t>
+              <a:t>3/8/2024</a:t>
             </a:fld>
             <a:endParaRPr lang="en-US"/>
           </a:p>
@@ -4997,36 +4999,36 @@
           <a:chExt cx="0" cy="0"/>
         </a:xfrm>
       </p:grpSpPr>
-      <p:graphicFrame>
-        <p:nvGraphicFramePr>
-          <p:cNvPr id="5" name="图表 4">
-            <a:extLst>
-              <a:ext uri="{FF2B5EF4-FFF2-40B4-BE49-F238E27FC236}">
-                <a16:creationId xmlns:a16="http://schemas.microsoft.com/office/drawing/2014/main" id="{3158EA1A-8FD3-CC96-A302-7A15A018A3D1}"/>
-              </a:ext>
-            </a:extLst>
-          </p:cNvPr>
-          <p:cNvGraphicFramePr>
-            <a:graphicFrameLocks/>
-          </p:cNvGraphicFramePr>
-          <p:nvPr>
-            <p:extLst>
-              <p:ext uri="{D42A27DB-BD31-4B8C-83A1-F6EECF244321}">
-                <p14:modId xmlns:p14="http://schemas.microsoft.com/office/powerpoint/2010/main" val="3471375054"/>
-              </p:ext>
-            </p:extLst>
-          </p:nvPr>
-        </p:nvGraphicFramePr>
-        <p:xfrm>
-          <a:off x="3349625" y="1508654"/>
-          <a:ext cx="5492749" cy="3840691"/>
-        </p:xfrm>
-        <a:graphic>
-          <a:graphicData uri="http://schemas.openxmlformats.org/drawingml/2006/chart">
-            <c:chart xmlns:c="http://schemas.openxmlformats.org/drawingml/2006/chart" xmlns:r="http://schemas.openxmlformats.org/officeDocument/2006/relationships" r:id="rId2"/>
-          </a:graphicData>
-        </a:graphic>
-      </p:graphicFrame>
+      <p:pic>
+        <p:nvPicPr>
+          <p:cNvPr id="3" name="图片 2">
+            <a:extLst>
+              <a:ext uri="{FF2B5EF4-FFF2-40B4-BE49-F238E27FC236}">
+                <a16:creationId xmlns:a16="http://schemas.microsoft.com/office/drawing/2014/main" id="{30CD8D20-93FC-5183-37C2-D76BC9C23909}"/>
+              </a:ext>
+            </a:extLst>
+          </p:cNvPr>
+          <p:cNvPicPr>
+            <a:picLocks noChangeAspect="1"/>
+          </p:cNvPicPr>
+          <p:nvPr/>
+        </p:nvPicPr>
+        <p:blipFill>
+          <a:blip r:embed="rId2"/>
+          <a:stretch>
+            <a:fillRect/>
+          </a:stretch>
+        </p:blipFill>
+        <p:spPr>
+          <a:xfrm>
+            <a:off x="3349514" y="1511642"/>
+            <a:ext cx="5492972" cy="3834716"/>
+          </a:xfrm>
+          <a:prstGeom prst="rect">
+            <a:avLst/>
+          </a:prstGeom>
+        </p:spPr>
+      </p:pic>
     </p:spTree>
     <p:extLst>
       <p:ext uri="{BB962C8B-B14F-4D97-AF65-F5344CB8AC3E}">
@@ -5059,10 +5061,10 @@
       </p:grpSpPr>
       <p:graphicFrame>
         <p:nvGraphicFramePr>
-          <p:cNvPr id="6" name="图表 5">
-            <a:extLst>
-              <a:ext uri="{FF2B5EF4-FFF2-40B4-BE49-F238E27FC236}">
-                <a16:creationId xmlns:a16="http://schemas.microsoft.com/office/drawing/2014/main" id="{3158EA1A-8FD3-CC96-A302-7A15A018A3D1}"/>
+          <p:cNvPr id="2" name="图表 1">
+            <a:extLst>
+              <a:ext uri="{FF2B5EF4-FFF2-40B4-BE49-F238E27FC236}">
+                <a16:creationId xmlns:a16="http://schemas.microsoft.com/office/drawing/2014/main" id="{779DDA3E-D95D-ECCE-B70E-FFE3DFDE3C12}"/>
               </a:ext>
             </a:extLst>
           </p:cNvPr>
@@ -5072,14 +5074,14 @@
           <p:nvPr>
             <p:extLst>
               <p:ext uri="{D42A27DB-BD31-4B8C-83A1-F6EECF244321}">
-                <p14:modId xmlns:p14="http://schemas.microsoft.com/office/powerpoint/2010/main" val="1324716042"/>
+                <p14:modId xmlns:p14="http://schemas.microsoft.com/office/powerpoint/2010/main" val="2060550532"/>
               </p:ext>
             </p:extLst>
           </p:nvPr>
         </p:nvGraphicFramePr>
         <p:xfrm>
-          <a:off x="3349625" y="1508654"/>
-          <a:ext cx="5492749" cy="3840691"/>
+          <a:off x="3350154" y="1509712"/>
+          <a:ext cx="5491691" cy="3838575"/>
         </p:xfrm>
         <a:graphic>
           <a:graphicData uri="http://schemas.openxmlformats.org/drawingml/2006/chart">
@@ -5090,7 +5092,7 @@
     </p:spTree>
     <p:extLst>
       <p:ext uri="{BB962C8B-B14F-4D97-AF65-F5344CB8AC3E}">
-        <p14:creationId xmlns:p14="http://schemas.microsoft.com/office/powerpoint/2010/main" val="426258867"/>
+        <p14:creationId xmlns:p14="http://schemas.microsoft.com/office/powerpoint/2010/main" val="961251323"/>
       </p:ext>
     </p:extLst>
   </p:cSld>
@@ -5119,7 +5121,7 @@
       </p:grpSpPr>
       <p:graphicFrame>
         <p:nvGraphicFramePr>
-          <p:cNvPr id="2" name="图表 1">
+          <p:cNvPr id="6" name="图表 5">
             <a:extLst>
               <a:ext uri="{FF2B5EF4-FFF2-40B4-BE49-F238E27FC236}">
                 <a16:creationId xmlns:a16="http://schemas.microsoft.com/office/drawing/2014/main" id="{3158EA1A-8FD3-CC96-A302-7A15A018A3D1}"/>
@@ -5132,7 +5134,7 @@
           <p:nvPr>
             <p:extLst>
               <p:ext uri="{D42A27DB-BD31-4B8C-83A1-F6EECF244321}">
-                <p14:modId xmlns:p14="http://schemas.microsoft.com/office/powerpoint/2010/main" val="915444005"/>
+                <p14:modId xmlns:p14="http://schemas.microsoft.com/office/powerpoint/2010/main" val="1324716042"/>
               </p:ext>
             </p:extLst>
           </p:nvPr>
@@ -5150,7 +5152,7 @@
     </p:spTree>
     <p:extLst>
       <p:ext uri="{BB962C8B-B14F-4D97-AF65-F5344CB8AC3E}">
-        <p14:creationId xmlns:p14="http://schemas.microsoft.com/office/powerpoint/2010/main" val="4120401071"/>
+        <p14:creationId xmlns:p14="http://schemas.microsoft.com/office/powerpoint/2010/main" val="426258867"/>
       </p:ext>
     </p:extLst>
   </p:cSld>
@@ -5189,7 +5191,13 @@
           <p:cNvGraphicFramePr>
             <a:graphicFrameLocks/>
           </p:cNvGraphicFramePr>
-          <p:nvPr/>
+          <p:nvPr>
+            <p:extLst>
+              <p:ext uri="{D42A27DB-BD31-4B8C-83A1-F6EECF244321}">
+                <p14:modId xmlns:p14="http://schemas.microsoft.com/office/powerpoint/2010/main" val="915444005"/>
+              </p:ext>
+            </p:extLst>
+          </p:nvPr>
         </p:nvGraphicFramePr>
         <p:xfrm>
           <a:off x="3349625" y="1508654"/>
@@ -5201,6 +5209,126 @@
           </a:graphicData>
         </a:graphic>
       </p:graphicFrame>
+    </p:spTree>
+    <p:extLst>
+      <p:ext uri="{BB962C8B-B14F-4D97-AF65-F5344CB8AC3E}">
+        <p14:creationId xmlns:p14="http://schemas.microsoft.com/office/powerpoint/2010/main" val="4120401071"/>
+      </p:ext>
+    </p:extLst>
+  </p:cSld>
+  <p:clrMapOvr>
+    <a:masterClrMapping/>
+  </p:clrMapOvr>
+</p:sld>
+</file>
+
+<file path=ppt/slides/slide5.xml><?xml version="1.0" encoding="utf-8"?>
+<p:sld xmlns:a="http://schemas.openxmlformats.org/drawingml/2006/main" xmlns:r="http://schemas.openxmlformats.org/officeDocument/2006/relationships" xmlns:p="http://schemas.openxmlformats.org/presentationml/2006/main">
+  <p:cSld>
+    <p:spTree>
+      <p:nvGrpSpPr>
+        <p:cNvPr id="1" name=""/>
+        <p:cNvGrpSpPr/>
+        <p:nvPr/>
+      </p:nvGrpSpPr>
+      <p:grpSpPr>
+        <a:xfrm>
+          <a:off x="0" y="0"/>
+          <a:ext cx="0" cy="0"/>
+          <a:chOff x="0" y="0"/>
+          <a:chExt cx="0" cy="0"/>
+        </a:xfrm>
+      </p:grpSpPr>
+      <p:graphicFrame>
+        <p:nvGraphicFramePr>
+          <p:cNvPr id="3" name="图表 2">
+            <a:extLst>
+              <a:ext uri="{FF2B5EF4-FFF2-40B4-BE49-F238E27FC236}">
+                <a16:creationId xmlns:a16="http://schemas.microsoft.com/office/drawing/2014/main" id="{779DDA3E-D95D-ECCE-B70E-FFE3DFDE3C12}"/>
+              </a:ext>
+            </a:extLst>
+          </p:cNvPr>
+          <p:cNvGraphicFramePr>
+            <a:graphicFrameLocks/>
+          </p:cNvGraphicFramePr>
+          <p:nvPr>
+            <p:extLst>
+              <p:ext uri="{D42A27DB-BD31-4B8C-83A1-F6EECF244321}">
+                <p14:modId xmlns:p14="http://schemas.microsoft.com/office/powerpoint/2010/main" val="1612143375"/>
+              </p:ext>
+            </p:extLst>
+          </p:nvPr>
+        </p:nvGraphicFramePr>
+        <p:xfrm>
+          <a:off x="3350154" y="1509712"/>
+          <a:ext cx="5491691" cy="3838575"/>
+        </p:xfrm>
+        <a:graphic>
+          <a:graphicData uri="http://schemas.openxmlformats.org/drawingml/2006/chart">
+            <c:chart xmlns:c="http://schemas.openxmlformats.org/drawingml/2006/chart" xmlns:r="http://schemas.openxmlformats.org/officeDocument/2006/relationships" r:id="rId2"/>
+          </a:graphicData>
+        </a:graphic>
+      </p:graphicFrame>
+    </p:spTree>
+    <p:extLst>
+      <p:ext uri="{BB962C8B-B14F-4D97-AF65-F5344CB8AC3E}">
+        <p14:creationId xmlns:p14="http://schemas.microsoft.com/office/powerpoint/2010/main" val="736636041"/>
+      </p:ext>
+    </p:extLst>
+  </p:cSld>
+  <p:clrMapOvr>
+    <a:masterClrMapping/>
+  </p:clrMapOvr>
+</p:sld>
+</file>
+
+<file path=ppt/slides/slide6.xml><?xml version="1.0" encoding="utf-8"?>
+<p:sld xmlns:a="http://schemas.openxmlformats.org/drawingml/2006/main" xmlns:r="http://schemas.openxmlformats.org/officeDocument/2006/relationships" xmlns:p="http://schemas.openxmlformats.org/presentationml/2006/main">
+  <p:cSld>
+    <p:spTree>
+      <p:nvGrpSpPr>
+        <p:cNvPr id="1" name=""/>
+        <p:cNvGrpSpPr/>
+        <p:nvPr/>
+      </p:nvGrpSpPr>
+      <p:grpSpPr>
+        <a:xfrm>
+          <a:off x="0" y="0"/>
+          <a:ext cx="0" cy="0"/>
+          <a:chOff x="0" y="0"/>
+          <a:chExt cx="0" cy="0"/>
+        </a:xfrm>
+      </p:grpSpPr>
+      <p:pic>
+        <p:nvPicPr>
+          <p:cNvPr id="3" name="图片 2">
+            <a:extLst>
+              <a:ext uri="{FF2B5EF4-FFF2-40B4-BE49-F238E27FC236}">
+                <a16:creationId xmlns:a16="http://schemas.microsoft.com/office/drawing/2014/main" id="{FB3245D5-A2AF-BEFF-0AD9-73352EE590D9}"/>
+              </a:ext>
+            </a:extLst>
+          </p:cNvPr>
+          <p:cNvPicPr>
+            <a:picLocks noChangeAspect="1"/>
+          </p:cNvPicPr>
+          <p:nvPr/>
+        </p:nvPicPr>
+        <p:blipFill>
+          <a:blip r:embed="rId2"/>
+          <a:stretch>
+            <a:fillRect/>
+          </a:stretch>
+        </p:blipFill>
+        <p:spPr>
+          <a:xfrm>
+            <a:off x="3349514" y="1511642"/>
+            <a:ext cx="5492972" cy="3834716"/>
+          </a:xfrm>
+          <a:prstGeom prst="rect">
+            <a:avLst/>
+          </a:prstGeom>
+        </p:spPr>
+      </p:pic>
     </p:spTree>
     <p:extLst>
       <p:ext uri="{BB962C8B-B14F-4D97-AF65-F5344CB8AC3E}">
